--- a/lecture-materials/Analytics/openSearch_service/open_search.pptx
+++ b/lecture-materials/Analytics/openSearch_service/open_search.pptx
@@ -267,7 +267,7 @@
           <a:p>
             <a:fld id="{322C9020-58D6-4B4B-AE71-CBBD8D6FD410}" type="datetimeFigureOut">
               <a:rPr lang="en-CH" smtClean="0"/>
-              <a:t>10.09.23</a:t>
+              <a:t>21.02.2024</a:t>
             </a:fld>
             <a:endParaRPr lang="en-CH"/>
           </a:p>
@@ -467,7 +467,7 @@
           <a:p>
             <a:fld id="{322C9020-58D6-4B4B-AE71-CBBD8D6FD410}" type="datetimeFigureOut">
               <a:rPr lang="en-CH" smtClean="0"/>
-              <a:t>10.09.23</a:t>
+              <a:t>21.02.2024</a:t>
             </a:fld>
             <a:endParaRPr lang="en-CH"/>
           </a:p>
@@ -677,7 +677,7 @@
           <a:p>
             <a:fld id="{322C9020-58D6-4B4B-AE71-CBBD8D6FD410}" type="datetimeFigureOut">
               <a:rPr lang="en-CH" smtClean="0"/>
-              <a:t>10.09.23</a:t>
+              <a:t>21.02.2024</a:t>
             </a:fld>
             <a:endParaRPr lang="en-CH"/>
           </a:p>
@@ -877,7 +877,7 @@
           <a:p>
             <a:fld id="{322C9020-58D6-4B4B-AE71-CBBD8D6FD410}" type="datetimeFigureOut">
               <a:rPr lang="en-CH" smtClean="0"/>
-              <a:t>10.09.23</a:t>
+              <a:t>21.02.2024</a:t>
             </a:fld>
             <a:endParaRPr lang="en-CH"/>
           </a:p>
@@ -1153,7 +1153,7 @@
           <a:p>
             <a:fld id="{322C9020-58D6-4B4B-AE71-CBBD8D6FD410}" type="datetimeFigureOut">
               <a:rPr lang="en-CH" smtClean="0"/>
-              <a:t>10.09.23</a:t>
+              <a:t>21.02.2024</a:t>
             </a:fld>
             <a:endParaRPr lang="en-CH"/>
           </a:p>
@@ -1421,7 +1421,7 @@
           <a:p>
             <a:fld id="{322C9020-58D6-4B4B-AE71-CBBD8D6FD410}" type="datetimeFigureOut">
               <a:rPr lang="en-CH" smtClean="0"/>
-              <a:t>10.09.23</a:t>
+              <a:t>21.02.2024</a:t>
             </a:fld>
             <a:endParaRPr lang="en-CH"/>
           </a:p>
@@ -1836,7 +1836,7 @@
           <a:p>
             <a:fld id="{322C9020-58D6-4B4B-AE71-CBBD8D6FD410}" type="datetimeFigureOut">
               <a:rPr lang="en-CH" smtClean="0"/>
-              <a:t>10.09.23</a:t>
+              <a:t>21.02.2024</a:t>
             </a:fld>
             <a:endParaRPr lang="en-CH"/>
           </a:p>
@@ -1978,7 +1978,7 @@
           <a:p>
             <a:fld id="{322C9020-58D6-4B4B-AE71-CBBD8D6FD410}" type="datetimeFigureOut">
               <a:rPr lang="en-CH" smtClean="0"/>
-              <a:t>10.09.23</a:t>
+              <a:t>21.02.2024</a:t>
             </a:fld>
             <a:endParaRPr lang="en-CH"/>
           </a:p>
@@ -2091,7 +2091,7 @@
           <a:p>
             <a:fld id="{322C9020-58D6-4B4B-AE71-CBBD8D6FD410}" type="datetimeFigureOut">
               <a:rPr lang="en-CH" smtClean="0"/>
-              <a:t>10.09.23</a:t>
+              <a:t>21.02.2024</a:t>
             </a:fld>
             <a:endParaRPr lang="en-CH"/>
           </a:p>
@@ -2404,7 +2404,7 @@
           <a:p>
             <a:fld id="{322C9020-58D6-4B4B-AE71-CBBD8D6FD410}" type="datetimeFigureOut">
               <a:rPr lang="en-CH" smtClean="0"/>
-              <a:t>10.09.23</a:t>
+              <a:t>21.02.2024</a:t>
             </a:fld>
             <a:endParaRPr lang="en-CH"/>
           </a:p>
@@ -2693,7 +2693,7 @@
           <a:p>
             <a:fld id="{322C9020-58D6-4B4B-AE71-CBBD8D6FD410}" type="datetimeFigureOut">
               <a:rPr lang="en-CH" smtClean="0"/>
-              <a:t>10.09.23</a:t>
+              <a:t>21.02.2024</a:t>
             </a:fld>
             <a:endParaRPr lang="en-CH"/>
           </a:p>
@@ -2936,7 +2936,7 @@
           <a:p>
             <a:fld id="{322C9020-58D6-4B4B-AE71-CBBD8D6FD410}" type="datetimeFigureOut">
               <a:rPr lang="en-CH" smtClean="0"/>
-              <a:t>10.09.23</a:t>
+              <a:t>21.02.2024</a:t>
             </a:fld>
             <a:endParaRPr lang="en-CH"/>
           </a:p>
@@ -5729,8 +5729,8 @@
         </p:nvSpPr>
         <p:spPr>
           <a:xfrm>
-            <a:off x="862366" y="2194102"/>
-            <a:ext cx="3427001" cy="3908586"/>
+            <a:off x="284615" y="2194102"/>
+            <a:ext cx="4172327" cy="3908586"/>
           </a:xfrm>
         </p:spPr>
         <p:txBody>
@@ -5740,7 +5740,7 @@
           <a:lstStyle/>
           <a:p>
             <a:r>
-              <a:rPr lang="en-GB" sz="1700" b="0" i="0">
+              <a:rPr lang="en-GB" sz="1700" b="0" i="0" dirty="0">
                 <a:effectLst/>
                 <a:latin typeface="SF UI Text"/>
               </a:rPr>
@@ -5749,25 +5749,39 @@
           </a:p>
           <a:p>
             <a:r>
-              <a:rPr lang="en-GB" sz="1700" b="0" i="0">
+              <a:rPr lang="en-GB" sz="1700" b="0" i="0" dirty="0">
                 <a:effectLst/>
                 <a:latin typeface="SF UI Text"/>
               </a:rPr>
-              <a:t>The ELK stack gives you the ability to aggregate logs from all your systems and applications, analyze these logs, and create visualizations.</a:t>
-            </a:r>
-          </a:p>
-          <a:p>
-            <a:r>
-              <a:rPr lang="en-GB" sz="1700" b="0" i="0">
+              <a:t>The ELK stack gives you the ability to aggregate logs from all your systems and applications, </a:t>
+            </a:r>
+            <a:r>
+              <a:rPr lang="en-GB" sz="1700" b="0" i="0" dirty="0" err="1">
+                <a:effectLst/>
+                <a:latin typeface="SF UI Text"/>
+              </a:rPr>
+              <a:t>analyze</a:t>
+            </a:r>
+            <a:r>
+              <a:rPr lang="en-GB" sz="1700" b="0" i="0" dirty="0">
+                <a:effectLst/>
+                <a:latin typeface="SF UI Text"/>
+              </a:rPr>
+              <a:t> these logs, and create visualizations.</a:t>
+            </a:r>
+          </a:p>
+          <a:p>
+            <a:r>
+              <a:rPr lang="en-GB" sz="1700" b="0" i="0" dirty="0">
                 <a:effectLst/>
                 <a:latin typeface="SF UI Text"/>
               </a:rPr>
               <a:t>ELK is useful for visualizing application and infrastructure monitoring data, troubleshooting, security analytics and more.</a:t>
             </a:r>
             <a:br>
-              <a:rPr lang="en-GB" sz="1700"/>
+              <a:rPr lang="en-GB" sz="1700" dirty="0"/>
             </a:br>
-            <a:endParaRPr lang="en-CH" sz="1700"/>
+            <a:endParaRPr lang="en-CH" sz="1700" dirty="0"/>
           </a:p>
         </p:txBody>
       </p:sp>
@@ -6245,13 +6259,13 @@
         </p:nvSpPr>
         <p:spPr>
           <a:xfrm>
-            <a:off x="630936" y="2660904"/>
-            <a:ext cx="4818888" cy="3547872"/>
+            <a:off x="363338" y="2660904"/>
+            <a:ext cx="5086486" cy="3547872"/>
           </a:xfrm>
         </p:spPr>
         <p:txBody>
           <a:bodyPr anchor="t">
-            <a:normAutofit fontScale="92500"/>
+            <a:normAutofit lnSpcReduction="10000"/>
           </a:bodyPr>
           <a:lstStyle/>
           <a:p>
@@ -6867,7 +6881,7 @@
         </p:spPr>
         <p:txBody>
           <a:bodyPr anchor="t">
-            <a:normAutofit lnSpcReduction="10000"/>
+            <a:normAutofit fontScale="92500" lnSpcReduction="10000"/>
           </a:bodyPr>
           <a:lstStyle/>
           <a:p>
@@ -6940,7 +6954,16 @@
                 <a:effectLst/>
                 <a:latin typeface="Amazon Ember"/>
               </a:rPr>
-              <a:t> is a group of OpenSearch indexes that work together to support a specific workload or use case. Collections are easier to use than self-managed OpenSearch </a:t>
+              <a:t> is a group of OpenSearch indexes that work together to support a specific workload or use case. </a:t>
+            </a:r>
+          </a:p>
+          <a:p>
+            <a:r>
+              <a:rPr lang="en-GB" sz="1400" b="0" i="0" dirty="0">
+                <a:effectLst/>
+                <a:latin typeface="Amazon Ember"/>
+              </a:rPr>
+              <a:t>Collections are easier to use than self-managed OpenSearch </a:t>
             </a:r>
             <a:r>
               <a:rPr lang="en-GB" sz="1400" b="0" i="1" dirty="0">
@@ -9196,10 +9219,16 @@
           <a:lstStyle/>
           <a:p>
             <a:pPr marL="0" indent="0">
+              <a:spcBef>
+                <a:spcPts val="500"/>
+              </a:spcBef>
+              <a:spcAft>
+                <a:spcPts val="500"/>
+              </a:spcAft>
               <a:buNone/>
             </a:pPr>
             <a:r>
-              <a:rPr lang="en-GB" sz="2200" b="0" i="0">
+              <a:rPr lang="en-GB" sz="2200" b="0" i="0" dirty="0">
                 <a:effectLst/>
                 <a:latin typeface="Amazon Ember"/>
               </a:rPr>
@@ -9207,33 +9236,69 @@
             </a:r>
           </a:p>
           <a:p>
-            <a:pPr lvl="1"/>
-            <a:r>
-              <a:rPr lang="en-GB" sz="2200" b="1" i="0">
+            <a:pPr lvl="1">
+              <a:spcAft>
+                <a:spcPts val="500"/>
+              </a:spcAft>
+            </a:pPr>
+            <a:r>
+              <a:rPr lang="en-GB" sz="2200" b="1" i="0" dirty="0">
                 <a:effectLst/>
                 <a:latin typeface="Amazon Ember"/>
               </a:rPr>
               <a:t>Log analytics</a:t>
             </a:r>
             <a:r>
-              <a:rPr lang="en-GB" sz="2200" b="0" i="0">
+              <a:rPr lang="en-GB" sz="2200" b="0" i="0" dirty="0">
                 <a:effectLst/>
                 <a:latin typeface="Amazon Ember"/>
               </a:rPr>
-              <a:t> - The log analytics segment focuses on analyzing large volumes of semi-structured, machine-generated time series data for operational and user behavior insights.</a:t>
-            </a:r>
-          </a:p>
-          <a:p>
-            <a:pPr lvl="1"/>
-            <a:r>
-              <a:rPr lang="en-GB" sz="2200" b="1" i="0">
+              <a:t> - The log analytics segment focuses on </a:t>
+            </a:r>
+            <a:r>
+              <a:rPr lang="en-GB" sz="2200" b="0" i="0" dirty="0" err="1">
+                <a:effectLst/>
+                <a:latin typeface="Amazon Ember"/>
+              </a:rPr>
+              <a:t>analyzing</a:t>
+            </a:r>
+            <a:r>
+              <a:rPr lang="en-GB" sz="2200" b="0" i="0" dirty="0">
+                <a:effectLst/>
+                <a:latin typeface="Amazon Ember"/>
+              </a:rPr>
+              <a:t> large volumes of semi-structured, machine-generated time series data for operational and user </a:t>
+            </a:r>
+            <a:r>
+              <a:rPr lang="en-GB" sz="2200" b="0" i="0" dirty="0" err="1">
+                <a:effectLst/>
+                <a:latin typeface="Amazon Ember"/>
+              </a:rPr>
+              <a:t>behavior</a:t>
+            </a:r>
+            <a:r>
+              <a:rPr lang="en-GB" sz="2200" b="0" i="0" dirty="0">
+                <a:effectLst/>
+                <a:latin typeface="Amazon Ember"/>
+              </a:rPr>
+              <a:t> insights.</a:t>
+            </a:r>
+          </a:p>
+          <a:p>
+            <a:pPr lvl="1">
+              <a:spcAft>
+                <a:spcPts val="500"/>
+              </a:spcAft>
+            </a:pPr>
+            <a:r>
+              <a:rPr lang="en-GB" sz="2200" b="1" i="0" dirty="0">
                 <a:effectLst/>
                 <a:latin typeface="Amazon Ember"/>
               </a:rPr>
               <a:t>Full-text search</a:t>
             </a:r>
             <a:r>
-              <a:rPr lang="en-GB" sz="2200" b="0" i="0">
+              <a:rPr lang="en-GB" sz="2200" b="0" i="0" dirty="0">
                 <a:effectLst/>
                 <a:latin typeface="Amazon Ember"/>
               </a:rPr>
@@ -9244,7 +9309,7 @@
             <a:pPr marL="0" indent="0">
               <a:buNone/>
             </a:pPr>
-            <a:endParaRPr lang="en-CH" sz="2200"/>
+            <a:endParaRPr lang="en-CH" sz="2200" dirty="0"/>
           </a:p>
         </p:txBody>
       </p:sp>
@@ -10266,8 +10331,8 @@
         </p:nvSpPr>
         <p:spPr>
           <a:xfrm>
-            <a:off x="838200" y="2586789"/>
-            <a:ext cx="10515600" cy="3590174"/>
+            <a:off x="654009" y="2586788"/>
+            <a:ext cx="11027300" cy="3747399"/>
           </a:xfrm>
         </p:spPr>
         <p:txBody>
